--- a/hilal.pptx
+++ b/hilal.pptx
@@ -1944,6 +1944,13 @@
           </a:solidFill>
           <a:ln/>
         </p:spPr>
+        <p:txBody>
+          <a:bodyPr/>
+          <a:lstStyle/>
+          <a:p>
+            <a:endParaRPr lang="en-TR"/>
+          </a:p>
+        </p:txBody>
       </p:sp>
       <p:sp>
         <p:nvSpPr>
@@ -1964,6 +1971,13 @@
           </a:solidFill>
           <a:ln/>
         </p:spPr>
+        <p:txBody>
+          <a:bodyPr/>
+          <a:lstStyle/>
+          <a:p>
+            <a:endParaRPr lang="en-TR"/>
+          </a:p>
+        </p:txBody>
       </p:sp>
       <p:pic>
         <p:nvPicPr>
@@ -2010,6 +2024,13 @@
           </a:solidFill>
           <a:ln/>
         </p:spPr>
+        <p:txBody>
+          <a:bodyPr/>
+          <a:lstStyle/>
+          <a:p>
+            <a:endParaRPr lang="en-TR"/>
+          </a:p>
+        </p:txBody>
       </p:sp>
       <p:sp>
         <p:nvSpPr>
@@ -2219,32 +2240,6 @@
           </a:p>
         </p:txBody>
       </p:sp>
-      <p:pic>
-        <p:nvPicPr>
-          <p:cNvPr id="12" name="Image 1" descr="preencoded.png">
-            <a:hlinkClick r:id="rId4"/>
-          </p:cNvPr>
-          <p:cNvPicPr>
-            <a:picLocks noChangeAspect="1"/>
-          </p:cNvPicPr>
-          <p:nvPr/>
-        </p:nvPicPr>
-        <p:blipFill>
-          <a:blip r:embed="rId5"/>
-          <a:stretch>
-            <a:fillRect/>
-          </a:stretch>
-        </p:blipFill>
-        <p:spPr>
-          <a:xfrm>
-            <a:off x="12242153" y="7589520"/>
-            <a:ext cx="2296807" cy="548640"/>
-          </a:xfrm>
-          <a:prstGeom prst="rect">
-            <a:avLst/>
-          </a:prstGeom>
-        </p:spPr>
-      </p:pic>
     </p:spTree>
   </p:cSld>
   <p:clrMapOvr>
@@ -2289,6 +2284,13 @@
           </a:solidFill>
           <a:ln/>
         </p:spPr>
+        <p:txBody>
+          <a:bodyPr/>
+          <a:lstStyle/>
+          <a:p>
+            <a:endParaRPr lang="en-TR"/>
+          </a:p>
+        </p:txBody>
       </p:sp>
       <p:sp>
         <p:nvSpPr>
@@ -2309,6 +2311,13 @@
           </a:solidFill>
           <a:ln/>
         </p:spPr>
+        <p:txBody>
+          <a:bodyPr/>
+          <a:lstStyle/>
+          <a:p>
+            <a:endParaRPr lang="en-TR"/>
+          </a:p>
+        </p:txBody>
       </p:sp>
       <p:sp>
         <p:nvSpPr>
@@ -2598,32 +2607,6 @@
           </a:p>
         </p:txBody>
       </p:sp>
-      <p:pic>
-        <p:nvPicPr>
-          <p:cNvPr id="11" name="Image 0" descr="preencoded.png">
-            <a:hlinkClick r:id="rId3"/>
-          </p:cNvPr>
-          <p:cNvPicPr>
-            <a:picLocks noChangeAspect="1"/>
-          </p:cNvPicPr>
-          <p:nvPr/>
-        </p:nvPicPr>
-        <p:blipFill>
-          <a:blip r:embed="rId4"/>
-          <a:stretch>
-            <a:fillRect/>
-          </a:stretch>
-        </p:blipFill>
-        <p:spPr>
-          <a:xfrm>
-            <a:off x="12242153" y="7589520"/>
-            <a:ext cx="2296807" cy="548640"/>
-          </a:xfrm>
-          <a:prstGeom prst="rect">
-            <a:avLst/>
-          </a:prstGeom>
-        </p:spPr>
-      </p:pic>
     </p:spTree>
   </p:cSld>
   <p:clrMapOvr>
@@ -2668,6 +2651,13 @@
           </a:solidFill>
           <a:ln/>
         </p:spPr>
+        <p:txBody>
+          <a:bodyPr/>
+          <a:lstStyle/>
+          <a:p>
+            <a:endParaRPr lang="en-TR"/>
+          </a:p>
+        </p:txBody>
       </p:sp>
       <p:sp>
         <p:nvSpPr>
@@ -2688,6 +2678,13 @@
           </a:solidFill>
           <a:ln/>
         </p:spPr>
+        <p:txBody>
+          <a:bodyPr/>
+          <a:lstStyle/>
+          <a:p>
+            <a:endParaRPr lang="en-TR"/>
+          </a:p>
+        </p:txBody>
       </p:sp>
       <p:sp>
         <p:nvSpPr>
@@ -2858,32 +2855,6 @@
           </a:p>
         </p:txBody>
       </p:sp>
-      <p:pic>
-        <p:nvPicPr>
-          <p:cNvPr id="10" name="Image 4" descr="preencoded.png">
-            <a:hlinkClick r:id="rId7"/>
-          </p:cNvPr>
-          <p:cNvPicPr>
-            <a:picLocks noChangeAspect="1"/>
-          </p:cNvPicPr>
-          <p:nvPr/>
-        </p:nvPicPr>
-        <p:blipFill>
-          <a:blip r:embed="rId8"/>
-          <a:stretch>
-            <a:fillRect/>
-          </a:stretch>
-        </p:blipFill>
-        <p:spPr>
-          <a:xfrm>
-            <a:off x="12242153" y="7589520"/>
-            <a:ext cx="2296807" cy="548640"/>
-          </a:xfrm>
-          <a:prstGeom prst="rect">
-            <a:avLst/>
-          </a:prstGeom>
-        </p:spPr>
-      </p:pic>
     </p:spTree>
   </p:cSld>
   <p:clrMapOvr>
@@ -2928,6 +2899,13 @@
           </a:solidFill>
           <a:ln/>
         </p:spPr>
+        <p:txBody>
+          <a:bodyPr/>
+          <a:lstStyle/>
+          <a:p>
+            <a:endParaRPr lang="en-TR"/>
+          </a:p>
+        </p:txBody>
       </p:sp>
       <p:sp>
         <p:nvSpPr>
@@ -2948,6 +2926,13 @@
           </a:solidFill>
           <a:ln/>
         </p:spPr>
+        <p:txBody>
+          <a:bodyPr/>
+          <a:lstStyle/>
+          <a:p>
+            <a:endParaRPr lang="en-TR"/>
+          </a:p>
+        </p:txBody>
       </p:sp>
       <p:sp>
         <p:nvSpPr>
@@ -3237,32 +3222,6 @@
           </a:p>
         </p:txBody>
       </p:sp>
-      <p:pic>
-        <p:nvPicPr>
-          <p:cNvPr id="11" name="Image 0" descr="preencoded.png">
-            <a:hlinkClick r:id="rId3"/>
-          </p:cNvPr>
-          <p:cNvPicPr>
-            <a:picLocks noChangeAspect="1"/>
-          </p:cNvPicPr>
-          <p:nvPr/>
-        </p:nvPicPr>
-        <p:blipFill>
-          <a:blip r:embed="rId4"/>
-          <a:stretch>
-            <a:fillRect/>
-          </a:stretch>
-        </p:blipFill>
-        <p:spPr>
-          <a:xfrm>
-            <a:off x="12242153" y="7589520"/>
-            <a:ext cx="2296807" cy="548640"/>
-          </a:xfrm>
-          <a:prstGeom prst="rect">
-            <a:avLst/>
-          </a:prstGeom>
-        </p:spPr>
-      </p:pic>
     </p:spTree>
   </p:cSld>
   <p:clrMapOvr>
@@ -3307,6 +3266,13 @@
           </a:solidFill>
           <a:ln/>
         </p:spPr>
+        <p:txBody>
+          <a:bodyPr/>
+          <a:lstStyle/>
+          <a:p>
+            <a:endParaRPr lang="en-TR"/>
+          </a:p>
+        </p:txBody>
       </p:sp>
       <p:sp>
         <p:nvSpPr>
@@ -3316,7 +3282,7 @@
         </p:nvSpPr>
         <p:spPr>
           <a:xfrm>
-            <a:off x="0" y="0"/>
+            <a:off x="0" y="344385"/>
             <a:ext cx="14630400" cy="8229600"/>
           </a:xfrm>
           <a:prstGeom prst="rect">
@@ -3327,6 +3293,13 @@
           </a:solidFill>
           <a:ln/>
         </p:spPr>
+        <p:txBody>
+          <a:bodyPr/>
+          <a:lstStyle/>
+          <a:p>
+            <a:endParaRPr lang="en-TR"/>
+          </a:p>
+        </p:txBody>
       </p:sp>
       <p:sp>
         <p:nvSpPr>
@@ -3504,8 +3477,8 @@
         </p:nvSpPr>
         <p:spPr>
           <a:xfrm>
-            <a:off x="2105501" y="6326981"/>
-            <a:ext cx="10419278" cy="701754"/>
+            <a:off x="2105501" y="6502359"/>
+            <a:ext cx="10419278" cy="773073"/>
           </a:xfrm>
           <a:prstGeom prst="rect">
             <a:avLst/>
@@ -3569,32 +3542,6 @@
           </a:p>
         </p:txBody>
       </p:sp>
-      <p:pic>
-        <p:nvPicPr>
-          <p:cNvPr id="10" name="Image 0" descr="preencoded.png">
-            <a:hlinkClick r:id="rId3"/>
-          </p:cNvPr>
-          <p:cNvPicPr>
-            <a:picLocks noChangeAspect="1"/>
-          </p:cNvPicPr>
-          <p:nvPr/>
-        </p:nvPicPr>
-        <p:blipFill>
-          <a:blip r:embed="rId4"/>
-          <a:stretch>
-            <a:fillRect/>
-          </a:stretch>
-        </p:blipFill>
-        <p:spPr>
-          <a:xfrm>
-            <a:off x="12242153" y="7589520"/>
-            <a:ext cx="2296807" cy="548640"/>
-          </a:xfrm>
-          <a:prstGeom prst="rect">
-            <a:avLst/>
-          </a:prstGeom>
-        </p:spPr>
-      </p:pic>
     </p:spTree>
   </p:cSld>
   <p:clrMapOvr>
@@ -3639,6 +3586,13 @@
           </a:solidFill>
           <a:ln/>
         </p:spPr>
+        <p:txBody>
+          <a:bodyPr/>
+          <a:lstStyle/>
+          <a:p>
+            <a:endParaRPr lang="en-TR"/>
+          </a:p>
+        </p:txBody>
       </p:sp>
       <p:sp>
         <p:nvSpPr>
@@ -3659,6 +3613,13 @@
           </a:solidFill>
           <a:ln/>
         </p:spPr>
+        <p:txBody>
+          <a:bodyPr/>
+          <a:lstStyle/>
+          <a:p>
+            <a:endParaRPr lang="en-TR"/>
+          </a:p>
+        </p:txBody>
       </p:sp>
       <p:sp>
         <p:nvSpPr>
@@ -3731,7 +3692,7 @@
               <a:buChar char="•"/>
             </a:pPr>
             <a:r>
-              <a:rPr lang="tr-TR" sz="1750" dirty="0" smtClean="0">
+              <a:rPr lang="tr-TR" sz="1750" dirty="0">
                 <a:solidFill>
                   <a:srgbClr val="333F70"/>
                 </a:solidFill>
@@ -3742,7 +3703,7 @@
               <a:t>Mükemmel bir hayat düşüncesi</a:t>
             </a:r>
             <a:r>
-              <a:rPr lang="en-US" sz="1750" dirty="0" smtClean="0">
+              <a:rPr lang="en-US" sz="1750" dirty="0">
                 <a:solidFill>
                   <a:srgbClr val="333F70"/>
                 </a:solidFill>
@@ -3750,8 +3711,40 @@
                 <a:ea typeface="Open Sans" pitchFamily="34" charset="-122"/>
                 <a:cs typeface="Open Sans" pitchFamily="34" charset="-120"/>
               </a:rPr>
-              <a:t> </a:t>
-            </a:r>
+              <a:t> yok</a:t>
+            </a:r>
+            <a:endParaRPr lang="en-US" sz="1750" dirty="0"/>
+          </a:p>
+        </p:txBody>
+      </p:sp>
+      <p:sp>
+        <p:nvSpPr>
+          <p:cNvPr id="6" name="Text 4"/>
+          <p:cNvSpPr/>
+          <p:nvPr/>
+        </p:nvSpPr>
+        <p:spPr>
+          <a:xfrm>
+            <a:off x="2393394" y="4506397"/>
+            <a:ext cx="10199013" cy="355402"/>
+          </a:xfrm>
+          <a:prstGeom prst="rect">
+            <a:avLst/>
+          </a:prstGeom>
+          <a:noFill/>
+          <a:ln/>
+        </p:spPr>
+        <p:txBody>
+          <a:bodyPr wrap="none" rtlCol="0" anchor="t"/>
+          <a:lstStyle/>
+          <a:p>
+            <a:pPr marL="342900" indent="-342900" algn="l">
+              <a:lnSpc>
+                <a:spcPts val="2799"/>
+              </a:lnSpc>
+              <a:buSzPct val="100000"/>
+              <a:buChar char="•"/>
+            </a:pPr>
             <a:r>
               <a:rPr lang="en-US" sz="1750" dirty="0">
                 <a:solidFill>
@@ -3761,7 +3754,7 @@
                 <a:ea typeface="Open Sans" pitchFamily="34" charset="-122"/>
                 <a:cs typeface="Open Sans" pitchFamily="34" charset="-120"/>
               </a:rPr>
-              <a:t>yok</a:t>
+              <a:t>Karakterlerin hayatına dahil olma</a:t>
             </a:r>
             <a:endParaRPr lang="en-US" sz="1750" dirty="0"/>
           </a:p>
@@ -3769,13 +3762,13 @@
       </p:sp>
       <p:sp>
         <p:nvSpPr>
-          <p:cNvPr id="6" name="Text 4"/>
-          <p:cNvSpPr/>
-          <p:nvPr/>
-        </p:nvSpPr>
-        <p:spPr>
-          <a:xfrm>
-            <a:off x="2393394" y="4506397"/>
+          <p:cNvPr id="7" name="Text 5"/>
+          <p:cNvSpPr/>
+          <p:nvPr/>
+        </p:nvSpPr>
+        <p:spPr>
+          <a:xfrm>
+            <a:off x="2393394" y="4950619"/>
             <a:ext cx="10199013" cy="355402"/>
           </a:xfrm>
           <a:prstGeom prst="rect">
@@ -3804,81 +3797,12 @@
                 <a:ea typeface="Open Sans" pitchFamily="34" charset="-122"/>
                 <a:cs typeface="Open Sans" pitchFamily="34" charset="-120"/>
               </a:rPr>
-              <a:t>Karakterlerin hayatına dahil olma</a:t>
+              <a:t>Hayattan bir parça</a:t>
             </a:r>
             <a:endParaRPr lang="en-US" sz="1750" dirty="0"/>
           </a:p>
         </p:txBody>
       </p:sp>
-      <p:sp>
-        <p:nvSpPr>
-          <p:cNvPr id="7" name="Text 5"/>
-          <p:cNvSpPr/>
-          <p:nvPr/>
-        </p:nvSpPr>
-        <p:spPr>
-          <a:xfrm>
-            <a:off x="2393394" y="4950619"/>
-            <a:ext cx="10199013" cy="355402"/>
-          </a:xfrm>
-          <a:prstGeom prst="rect">
-            <a:avLst/>
-          </a:prstGeom>
-          <a:noFill/>
-          <a:ln/>
-        </p:spPr>
-        <p:txBody>
-          <a:bodyPr wrap="none" rtlCol="0" anchor="t"/>
-          <a:lstStyle/>
-          <a:p>
-            <a:pPr marL="342900" indent="-342900" algn="l">
-              <a:lnSpc>
-                <a:spcPts val="2799"/>
-              </a:lnSpc>
-              <a:buSzPct val="100000"/>
-              <a:buChar char="•"/>
-            </a:pPr>
-            <a:r>
-              <a:rPr lang="en-US" sz="1750" dirty="0">
-                <a:solidFill>
-                  <a:srgbClr val="333F70"/>
-                </a:solidFill>
-                <a:latin typeface="Open Sans" pitchFamily="34" charset="0"/>
-                <a:ea typeface="Open Sans" pitchFamily="34" charset="-122"/>
-                <a:cs typeface="Open Sans" pitchFamily="34" charset="-120"/>
-              </a:rPr>
-              <a:t>Hayattan bir parça</a:t>
-            </a:r>
-            <a:endParaRPr lang="en-US" sz="1750" dirty="0"/>
-          </a:p>
-        </p:txBody>
-      </p:sp>
-      <p:pic>
-        <p:nvPicPr>
-          <p:cNvPr id="8" name="Image 0" descr="preencoded.png">
-            <a:hlinkClick r:id="rId3"/>
-          </p:cNvPr>
-          <p:cNvPicPr>
-            <a:picLocks noChangeAspect="1"/>
-          </p:cNvPicPr>
-          <p:nvPr/>
-        </p:nvPicPr>
-        <p:blipFill>
-          <a:blip r:embed="rId4"/>
-          <a:stretch>
-            <a:fillRect/>
-          </a:stretch>
-        </p:blipFill>
-        <p:spPr>
-          <a:xfrm>
-            <a:off x="12242153" y="7589520"/>
-            <a:ext cx="2296807" cy="548640"/>
-          </a:xfrm>
-          <a:prstGeom prst="rect">
-            <a:avLst/>
-          </a:prstGeom>
-        </p:spPr>
-      </p:pic>
     </p:spTree>
   </p:cSld>
   <p:clrMapOvr>
@@ -3923,6 +3847,13 @@
           </a:solidFill>
           <a:ln/>
         </p:spPr>
+        <p:txBody>
+          <a:bodyPr/>
+          <a:lstStyle/>
+          <a:p>
+            <a:endParaRPr lang="en-TR"/>
+          </a:p>
+        </p:txBody>
       </p:sp>
       <p:sp>
         <p:nvSpPr>
@@ -3943,6 +3874,13 @@
           </a:solidFill>
           <a:ln/>
         </p:spPr>
+        <p:txBody>
+          <a:bodyPr/>
+          <a:lstStyle/>
+          <a:p>
+            <a:endParaRPr lang="en-TR"/>
+          </a:p>
+        </p:txBody>
       </p:sp>
       <p:sp>
         <p:nvSpPr>
@@ -4024,7 +3962,7 @@
                 <a:hlinkClick r:id="rId3">
                   <a:extLst>
                     <a:ext uri="{A12FA001-AC4F-418D-AE19-62706E023703}">
-                      <ahyp:hlinkClr xmlns:ahyp="http://schemas.microsoft.com/office/drawing/2018/hyperlinkcolor" xmlns="" val="tx"/>
+                      <ahyp:hlinkClr xmlns:ahyp="http://schemas.microsoft.com/office/drawing/2018/hyperlinkcolor" val="tx"/>
                     </a:ext>
                   </a:extLst>
                 </a:hlinkClick>
@@ -4073,7 +4011,7 @@
                 <a:hlinkClick r:id="rId4">
                   <a:extLst>
                     <a:ext uri="{A12FA001-AC4F-418D-AE19-62706E023703}">
-                      <ahyp:hlinkClr xmlns:ahyp="http://schemas.microsoft.com/office/drawing/2018/hyperlinkcolor" xmlns="" val="tx"/>
+                      <ahyp:hlinkClr xmlns:ahyp="http://schemas.microsoft.com/office/drawing/2018/hyperlinkcolor" val="tx"/>
                     </a:ext>
                   </a:extLst>
                 </a:hlinkClick>
@@ -4122,7 +4060,7 @@
                 <a:hlinkClick r:id="rId5">
                   <a:extLst>
                     <a:ext uri="{A12FA001-AC4F-418D-AE19-62706E023703}">
-                      <ahyp:hlinkClr xmlns:ahyp="http://schemas.microsoft.com/office/drawing/2018/hyperlinkcolor" xmlns="" val="tx"/>
+                      <ahyp:hlinkClr xmlns:ahyp="http://schemas.microsoft.com/office/drawing/2018/hyperlinkcolor" val="tx"/>
                     </a:ext>
                   </a:extLst>
                 </a:hlinkClick>
@@ -4171,7 +4109,7 @@
                 <a:hlinkClick r:id="rId6">
                   <a:extLst>
                     <a:ext uri="{A12FA001-AC4F-418D-AE19-62706E023703}">
-                      <ahyp:hlinkClr xmlns:ahyp="http://schemas.microsoft.com/office/drawing/2018/hyperlinkcolor" xmlns="" val="tx"/>
+                      <ahyp:hlinkClr xmlns:ahyp="http://schemas.microsoft.com/office/drawing/2018/hyperlinkcolor" val="tx"/>
                     </a:ext>
                   </a:extLst>
                 </a:hlinkClick>
@@ -4220,7 +4158,7 @@
                 <a:hlinkClick r:id="rId7">
                   <a:extLst>
                     <a:ext uri="{A12FA001-AC4F-418D-AE19-62706E023703}">
-                      <ahyp:hlinkClr xmlns:ahyp="http://schemas.microsoft.com/office/drawing/2018/hyperlinkcolor" xmlns="" val="tx"/>
+                      <ahyp:hlinkClr xmlns:ahyp="http://schemas.microsoft.com/office/drawing/2018/hyperlinkcolor" val="tx"/>
                     </a:ext>
                   </a:extLst>
                 </a:hlinkClick>
@@ -4269,7 +4207,7 @@
                 <a:hlinkClick r:id="rId8">
                   <a:extLst>
                     <a:ext uri="{A12FA001-AC4F-418D-AE19-62706E023703}">
-                      <ahyp:hlinkClr xmlns:ahyp="http://schemas.microsoft.com/office/drawing/2018/hyperlinkcolor" xmlns="" val="tx"/>
+                      <ahyp:hlinkClr xmlns:ahyp="http://schemas.microsoft.com/office/drawing/2018/hyperlinkcolor" val="tx"/>
                     </a:ext>
                   </a:extLst>
                 </a:hlinkClick>
@@ -4280,32 +4218,6 @@
           </a:p>
         </p:txBody>
       </p:sp>
-      <p:pic>
-        <p:nvPicPr>
-          <p:cNvPr id="11" name="Image 0" descr="preencoded.png">
-            <a:hlinkClick r:id="rId9"/>
-          </p:cNvPr>
-          <p:cNvPicPr>
-            <a:picLocks noChangeAspect="1"/>
-          </p:cNvPicPr>
-          <p:nvPr/>
-        </p:nvPicPr>
-        <p:blipFill>
-          <a:blip r:embed="rId10"/>
-          <a:stretch>
-            <a:fillRect/>
-          </a:stretch>
-        </p:blipFill>
-        <p:spPr>
-          <a:xfrm>
-            <a:off x="12242153" y="7589520"/>
-            <a:ext cx="2296807" cy="548640"/>
-          </a:xfrm>
-          <a:prstGeom prst="rect">
-            <a:avLst/>
-          </a:prstGeom>
-        </p:spPr>
-      </p:pic>
     </p:spTree>
   </p:cSld>
   <p:clrMapOvr>
@@ -4350,6 +4262,13 @@
           </a:solidFill>
           <a:ln/>
         </p:spPr>
+        <p:txBody>
+          <a:bodyPr/>
+          <a:lstStyle/>
+          <a:p>
+            <a:endParaRPr lang="en-TR"/>
+          </a:p>
+        </p:txBody>
       </p:sp>
       <p:sp>
         <p:nvSpPr>
@@ -4370,6 +4289,13 @@
           </a:solidFill>
           <a:ln/>
         </p:spPr>
+        <p:txBody>
+          <a:bodyPr/>
+          <a:lstStyle/>
+          <a:p>
+            <a:endParaRPr lang="en-TR"/>
+          </a:p>
+        </p:txBody>
       </p:sp>
       <p:sp>
         <p:nvSpPr>
@@ -4413,32 +4339,6 @@
           </a:p>
         </p:txBody>
       </p:sp>
-      <p:pic>
-        <p:nvPicPr>
-          <p:cNvPr id="5" name="Image 0" descr="preencoded.png">
-            <a:hlinkClick r:id="rId3"/>
-          </p:cNvPr>
-          <p:cNvPicPr>
-            <a:picLocks noChangeAspect="1"/>
-          </p:cNvPicPr>
-          <p:nvPr/>
-        </p:nvPicPr>
-        <p:blipFill>
-          <a:blip r:embed="rId4"/>
-          <a:stretch>
-            <a:fillRect/>
-          </a:stretch>
-        </p:blipFill>
-        <p:spPr>
-          <a:xfrm>
-            <a:off x="12242153" y="7589520"/>
-            <a:ext cx="2296807" cy="548640"/>
-          </a:xfrm>
-          <a:prstGeom prst="rect">
-            <a:avLst/>
-          </a:prstGeom>
-        </p:spPr>
-      </p:pic>
     </p:spTree>
   </p:cSld>
   <p:clrMapOvr>
@@ -4483,6 +4383,13 @@
           </a:solidFill>
           <a:ln/>
         </p:spPr>
+        <p:txBody>
+          <a:bodyPr/>
+          <a:lstStyle/>
+          <a:p>
+            <a:endParaRPr lang="en-TR"/>
+          </a:p>
+        </p:txBody>
       </p:sp>
       <p:sp>
         <p:nvSpPr>
@@ -4503,6 +4410,13 @@
           </a:solidFill>
           <a:ln/>
         </p:spPr>
+        <p:txBody>
+          <a:bodyPr/>
+          <a:lstStyle/>
+          <a:p>
+            <a:endParaRPr lang="en-TR"/>
+          </a:p>
+        </p:txBody>
       </p:sp>
       <p:sp>
         <p:nvSpPr>
@@ -5135,32 +5049,6 @@
           </a:p>
         </p:txBody>
       </p:sp>
-      <p:pic>
-        <p:nvPicPr>
-          <p:cNvPr id="19" name="Image 0" descr="preencoded.png">
-            <a:hlinkClick r:id="rId3"/>
-          </p:cNvPr>
-          <p:cNvPicPr>
-            <a:picLocks noChangeAspect="1"/>
-          </p:cNvPicPr>
-          <p:nvPr/>
-        </p:nvPicPr>
-        <p:blipFill>
-          <a:blip r:embed="rId4"/>
-          <a:stretch>
-            <a:fillRect/>
-          </a:stretch>
-        </p:blipFill>
-        <p:spPr>
-          <a:xfrm>
-            <a:off x="12242153" y="7589520"/>
-            <a:ext cx="2296807" cy="548640"/>
-          </a:xfrm>
-          <a:prstGeom prst="rect">
-            <a:avLst/>
-          </a:prstGeom>
-        </p:spPr>
-      </p:pic>
     </p:spTree>
   </p:cSld>
   <p:clrMapOvr>
@@ -5205,6 +5093,13 @@
           </a:solidFill>
           <a:ln/>
         </p:spPr>
+        <p:txBody>
+          <a:bodyPr/>
+          <a:lstStyle/>
+          <a:p>
+            <a:endParaRPr lang="en-TR"/>
+          </a:p>
+        </p:txBody>
       </p:sp>
       <p:sp>
         <p:nvSpPr>
@@ -5225,6 +5120,13 @@
           </a:solidFill>
           <a:ln/>
         </p:spPr>
+        <p:txBody>
+          <a:bodyPr/>
+          <a:lstStyle/>
+          <a:p>
+            <a:endParaRPr lang="en-TR"/>
+          </a:p>
+        </p:txBody>
       </p:sp>
       <p:pic>
         <p:nvPicPr>
@@ -5358,32 +5260,6 @@
           </a:p>
         </p:txBody>
       </p:sp>
-      <p:pic>
-        <p:nvPicPr>
-          <p:cNvPr id="8" name="Image 2" descr="preencoded.png">
-            <a:hlinkClick r:id="rId5"/>
-          </p:cNvPr>
-          <p:cNvPicPr>
-            <a:picLocks noChangeAspect="1"/>
-          </p:cNvPicPr>
-          <p:nvPr/>
-        </p:nvPicPr>
-        <p:blipFill>
-          <a:blip r:embed="rId6"/>
-          <a:stretch>
-            <a:fillRect/>
-          </a:stretch>
-        </p:blipFill>
-        <p:spPr>
-          <a:xfrm>
-            <a:off x="12242153" y="7589520"/>
-            <a:ext cx="2296807" cy="548640"/>
-          </a:xfrm>
-          <a:prstGeom prst="rect">
-            <a:avLst/>
-          </a:prstGeom>
-        </p:spPr>
-      </p:pic>
     </p:spTree>
   </p:cSld>
   <p:clrMapOvr>
@@ -5428,6 +5304,13 @@
           </a:solidFill>
           <a:ln/>
         </p:spPr>
+        <p:txBody>
+          <a:bodyPr/>
+          <a:lstStyle/>
+          <a:p>
+            <a:endParaRPr lang="en-TR"/>
+          </a:p>
+        </p:txBody>
       </p:sp>
       <p:sp>
         <p:nvSpPr>
@@ -5448,6 +5331,13 @@
           </a:solidFill>
           <a:ln/>
         </p:spPr>
+        <p:txBody>
+          <a:bodyPr/>
+          <a:lstStyle/>
+          <a:p>
+            <a:endParaRPr lang="en-TR"/>
+          </a:p>
+        </p:txBody>
       </p:sp>
       <p:pic>
         <p:nvPicPr>
@@ -5541,6 +5431,13 @@
             <a:prstDash val="solid"/>
           </a:ln>
         </p:spPr>
+        <p:txBody>
+          <a:bodyPr/>
+          <a:lstStyle/>
+          <a:p>
+            <a:endParaRPr lang="en-TR"/>
+          </a:p>
+        </p:txBody>
       </p:sp>
       <p:sp>
         <p:nvSpPr>
@@ -5694,6 +5591,13 @@
             <a:prstDash val="solid"/>
           </a:ln>
         </p:spPr>
+        <p:txBody>
+          <a:bodyPr/>
+          <a:lstStyle/>
+          <a:p>
+            <a:endParaRPr lang="en-TR"/>
+          </a:p>
+        </p:txBody>
       </p:sp>
       <p:sp>
         <p:nvSpPr>
@@ -5847,6 +5751,13 @@
             <a:prstDash val="solid"/>
           </a:ln>
         </p:spPr>
+        <p:txBody>
+          <a:bodyPr/>
+          <a:lstStyle/>
+          <a:p>
+            <a:endParaRPr lang="en-TR"/>
+          </a:p>
+        </p:txBody>
       </p:sp>
       <p:sp>
         <p:nvSpPr>
@@ -6005,32 +5916,6 @@
           </a:p>
         </p:txBody>
       </p:sp>
-      <p:pic>
-        <p:nvPicPr>
-          <p:cNvPr id="19" name="Image 1" descr="preencoded.png">
-            <a:hlinkClick r:id="rId4"/>
-          </p:cNvPr>
-          <p:cNvPicPr>
-            <a:picLocks noChangeAspect="1"/>
-          </p:cNvPicPr>
-          <p:nvPr/>
-        </p:nvPicPr>
-        <p:blipFill>
-          <a:blip r:embed="rId5"/>
-          <a:stretch>
-            <a:fillRect/>
-          </a:stretch>
-        </p:blipFill>
-        <p:spPr>
-          <a:xfrm>
-            <a:off x="12242153" y="7589520"/>
-            <a:ext cx="2296807" cy="548640"/>
-          </a:xfrm>
-          <a:prstGeom prst="rect">
-            <a:avLst/>
-          </a:prstGeom>
-        </p:spPr>
-      </p:pic>
     </p:spTree>
   </p:cSld>
   <p:clrMapOvr>
@@ -6075,6 +5960,13 @@
           </a:solidFill>
           <a:ln/>
         </p:spPr>
+        <p:txBody>
+          <a:bodyPr/>
+          <a:lstStyle/>
+          <a:p>
+            <a:endParaRPr lang="en-TR"/>
+          </a:p>
+        </p:txBody>
       </p:sp>
       <p:sp>
         <p:nvSpPr>
@@ -6095,6 +5987,13 @@
           </a:solidFill>
           <a:ln/>
         </p:spPr>
+        <p:txBody>
+          <a:bodyPr/>
+          <a:lstStyle/>
+          <a:p>
+            <a:endParaRPr lang="en-TR"/>
+          </a:p>
+        </p:txBody>
       </p:sp>
       <p:sp>
         <p:nvSpPr>
@@ -6714,32 +6613,6 @@
           </a:p>
         </p:txBody>
       </p:sp>
-      <p:pic>
-        <p:nvPicPr>
-          <p:cNvPr id="19" name="Image 0" descr="preencoded.png">
-            <a:hlinkClick r:id="rId3"/>
-          </p:cNvPr>
-          <p:cNvPicPr>
-            <a:picLocks noChangeAspect="1"/>
-          </p:cNvPicPr>
-          <p:nvPr/>
-        </p:nvPicPr>
-        <p:blipFill>
-          <a:blip r:embed="rId4"/>
-          <a:stretch>
-            <a:fillRect/>
-          </a:stretch>
-        </p:blipFill>
-        <p:spPr>
-          <a:xfrm>
-            <a:off x="12242153" y="7589520"/>
-            <a:ext cx="2296807" cy="548640"/>
-          </a:xfrm>
-          <a:prstGeom prst="rect">
-            <a:avLst/>
-          </a:prstGeom>
-        </p:spPr>
-      </p:pic>
     </p:spTree>
   </p:cSld>
   <p:clrMapOvr>
@@ -6784,6 +6657,13 @@
           </a:solidFill>
           <a:ln/>
         </p:spPr>
+        <p:txBody>
+          <a:bodyPr/>
+          <a:lstStyle/>
+          <a:p>
+            <a:endParaRPr lang="en-TR"/>
+          </a:p>
+        </p:txBody>
       </p:sp>
       <p:sp>
         <p:nvSpPr>
@@ -6804,6 +6684,13 @@
           </a:solidFill>
           <a:ln/>
         </p:spPr>
+        <p:txBody>
+          <a:bodyPr/>
+          <a:lstStyle/>
+          <a:p>
+            <a:endParaRPr lang="en-TR"/>
+          </a:p>
+        </p:txBody>
       </p:sp>
       <p:sp>
         <p:nvSpPr>
@@ -6938,32 +6825,6 @@
           <a:xfrm>
             <a:off x="7593806" y="1023461"/>
             <a:ext cx="4075271" cy="6182558"/>
-          </a:xfrm>
-          <a:prstGeom prst="rect">
-            <a:avLst/>
-          </a:prstGeom>
-        </p:spPr>
-      </p:pic>
-      <p:pic>
-        <p:nvPicPr>
-          <p:cNvPr id="8" name="Image 1" descr="preencoded.png">
-            <a:hlinkClick r:id="rId4"/>
-          </p:cNvPr>
-          <p:cNvPicPr>
-            <a:picLocks noChangeAspect="1"/>
-          </p:cNvPicPr>
-          <p:nvPr/>
-        </p:nvPicPr>
-        <p:blipFill>
-          <a:blip r:embed="rId5"/>
-          <a:stretch>
-            <a:fillRect/>
-          </a:stretch>
-        </p:blipFill>
-        <p:spPr>
-          <a:xfrm>
-            <a:off x="12242153" y="7589520"/>
-            <a:ext cx="2296807" cy="548640"/>
           </a:xfrm>
           <a:prstGeom prst="rect">
             <a:avLst/>
@@ -7014,6 +6875,13 @@
           </a:solidFill>
           <a:ln/>
         </p:spPr>
+        <p:txBody>
+          <a:bodyPr/>
+          <a:lstStyle/>
+          <a:p>
+            <a:endParaRPr lang="en-TR"/>
+          </a:p>
+        </p:txBody>
       </p:sp>
       <p:sp>
         <p:nvSpPr>
@@ -7034,6 +6902,13 @@
           </a:solidFill>
           <a:ln/>
         </p:spPr>
+        <p:txBody>
+          <a:bodyPr/>
+          <a:lstStyle/>
+          <a:p>
+            <a:endParaRPr lang="en-TR"/>
+          </a:p>
+        </p:txBody>
       </p:sp>
       <p:pic>
         <p:nvPicPr>
@@ -7162,7 +7037,7 @@
               <a:t> </a:t>
             </a:r>
             <a:r>
-              <a:rPr lang="en-US" sz="1750" dirty="0" err="1" smtClean="0">
+              <a:rPr lang="en-US" sz="1750" dirty="0" err="1">
                 <a:solidFill>
                   <a:srgbClr val="333F70"/>
                 </a:solidFill>
@@ -7173,7 +7048,7 @@
               <a:t>Cenne</a:t>
             </a:r>
             <a:r>
-              <a:rPr lang="tr-TR" sz="1750" dirty="0" smtClean="0">
+              <a:rPr lang="tr-TR" sz="1750" dirty="0">
                 <a:solidFill>
                   <a:srgbClr val="333F70"/>
                 </a:solidFill>
@@ -7184,7 +7059,7 @@
               <a:t>t</a:t>
             </a:r>
             <a:r>
-              <a:rPr lang="en-US" sz="1750" dirty="0" err="1" smtClean="0">
+              <a:rPr lang="en-US" sz="1750" dirty="0" err="1">
                 <a:solidFill>
                   <a:srgbClr val="333F70"/>
                 </a:solidFill>
@@ -7195,7 +7070,7 @@
               <a:t>te</a:t>
             </a:r>
             <a:r>
-              <a:rPr lang="en-US" sz="1750" dirty="0" smtClean="0">
+              <a:rPr lang="en-US" sz="1750" dirty="0">
                 <a:solidFill>
                   <a:srgbClr val="333F70"/>
                 </a:solidFill>
@@ -7203,18 +7078,7 @@
                 <a:ea typeface="Open Sans" pitchFamily="34" charset="-122"/>
                 <a:cs typeface="Open Sans" pitchFamily="34" charset="-120"/>
               </a:rPr>
-              <a:t> </a:t>
-            </a:r>
-            <a:r>
-              <a:rPr lang="en-US" sz="1750" dirty="0">
-                <a:solidFill>
-                  <a:srgbClr val="333F70"/>
-                </a:solidFill>
-                <a:latin typeface="Open Sans" pitchFamily="34" charset="0"/>
-                <a:ea typeface="Open Sans" pitchFamily="34" charset="-122"/>
-                <a:cs typeface="Open Sans" pitchFamily="34" charset="-120"/>
-              </a:rPr>
-              <a:t>ise 2021 yılında yayımlanmıştır. Romanları 26 dile çevrilen Yanagihara, günümüz edebiyatının önemli isimlerinden birisidir.</a:t>
+              <a:t> ise 2021 yılında yayımlanmıştır. Romanları 26 dile çevrilen Yanagihara, günümüz edebiyatının önemli isimlerinden birisidir.</a:t>
             </a:r>
             <a:endParaRPr lang="en-US" sz="1750" dirty="0"/>
           </a:p>
@@ -7251,32 +7115,6 @@
           </a:p>
         </p:txBody>
       </p:sp>
-      <p:pic>
-        <p:nvPicPr>
-          <p:cNvPr id="8" name="Image 1" descr="preencoded.png">
-            <a:hlinkClick r:id="rId4"/>
-          </p:cNvPr>
-          <p:cNvPicPr>
-            <a:picLocks noChangeAspect="1"/>
-          </p:cNvPicPr>
-          <p:nvPr/>
-        </p:nvPicPr>
-        <p:blipFill>
-          <a:blip r:embed="rId5"/>
-          <a:stretch>
-            <a:fillRect/>
-          </a:stretch>
-        </p:blipFill>
-        <p:spPr>
-          <a:xfrm>
-            <a:off x="12242153" y="7589520"/>
-            <a:ext cx="2296807" cy="548640"/>
-          </a:xfrm>
-          <a:prstGeom prst="rect">
-            <a:avLst/>
-          </a:prstGeom>
-        </p:spPr>
-      </p:pic>
     </p:spTree>
   </p:cSld>
   <p:clrMapOvr>
@@ -7321,6 +7159,13 @@
           </a:solidFill>
           <a:ln/>
         </p:spPr>
+        <p:txBody>
+          <a:bodyPr/>
+          <a:lstStyle/>
+          <a:p>
+            <a:endParaRPr lang="en-TR"/>
+          </a:p>
+        </p:txBody>
       </p:sp>
       <p:sp>
         <p:nvSpPr>
@@ -7341,6 +7186,13 @@
           </a:solidFill>
           <a:ln/>
         </p:spPr>
+        <p:txBody>
+          <a:bodyPr/>
+          <a:lstStyle/>
+          <a:p>
+            <a:endParaRPr lang="en-TR"/>
+          </a:p>
+        </p:txBody>
       </p:sp>
       <p:sp>
         <p:nvSpPr>
@@ -7475,32 +7327,6 @@
           <a:xfrm>
             <a:off x="7593806" y="1023461"/>
             <a:ext cx="4637008" cy="6182677"/>
-          </a:xfrm>
-          <a:prstGeom prst="rect">
-            <a:avLst/>
-          </a:prstGeom>
-        </p:spPr>
-      </p:pic>
-      <p:pic>
-        <p:nvPicPr>
-          <p:cNvPr id="8" name="Image 1" descr="preencoded.png">
-            <a:hlinkClick r:id="rId4"/>
-          </p:cNvPr>
-          <p:cNvPicPr>
-            <a:picLocks noChangeAspect="1"/>
-          </p:cNvPicPr>
-          <p:nvPr/>
-        </p:nvPicPr>
-        <p:blipFill>
-          <a:blip r:embed="rId5"/>
-          <a:stretch>
-            <a:fillRect/>
-          </a:stretch>
-        </p:blipFill>
-        <p:spPr>
-          <a:xfrm>
-            <a:off x="12242153" y="7589520"/>
-            <a:ext cx="2296807" cy="548640"/>
           </a:xfrm>
           <a:prstGeom prst="rect">
             <a:avLst/>
@@ -7551,6 +7377,13 @@
           </a:solidFill>
           <a:ln/>
         </p:spPr>
+        <p:txBody>
+          <a:bodyPr/>
+          <a:lstStyle/>
+          <a:p>
+            <a:endParaRPr lang="en-TR"/>
+          </a:p>
+        </p:txBody>
       </p:sp>
       <p:sp>
         <p:nvSpPr>
@@ -7571,6 +7404,13 @@
           </a:solidFill>
           <a:ln/>
         </p:spPr>
+        <p:txBody>
+          <a:bodyPr/>
+          <a:lstStyle/>
+          <a:p>
+            <a:endParaRPr lang="en-TR"/>
+          </a:p>
+        </p:txBody>
       </p:sp>
       <p:sp>
         <p:nvSpPr>
@@ -7904,8 +7744,8 @@
         </p:nvSpPr>
         <p:spPr>
           <a:xfrm>
-            <a:off x="5217914" y="5464493"/>
-            <a:ext cx="1839158" cy="696754"/>
+            <a:off x="5217914" y="5783283"/>
+            <a:ext cx="1839158" cy="1304270"/>
           </a:xfrm>
           <a:prstGeom prst="rect">
             <a:avLst/>
@@ -7925,7 +7765,7 @@
               <a:buChar char="•"/>
             </a:pPr>
             <a:r>
-              <a:rPr lang="en-US" sz="1715" dirty="0" smtClean="0">
+              <a:rPr lang="en-US" sz="1715" dirty="0">
                 <a:solidFill>
                   <a:srgbClr val="333F70"/>
                 </a:solidFill>
@@ -7936,7 +7776,7 @@
               <a:t>Jude‘</a:t>
             </a:r>
             <a:r>
-              <a:rPr lang="tr-TR" sz="1715" dirty="0" smtClean="0">
+              <a:rPr lang="tr-TR" sz="1715" dirty="0">
                 <a:solidFill>
                   <a:srgbClr val="333F70"/>
                 </a:solidFill>
@@ -7947,7 +7787,7 @@
               <a:t>a</a:t>
             </a:r>
             <a:r>
-              <a:rPr lang="en-US" sz="1715" dirty="0" smtClean="0">
+              <a:rPr lang="en-US" sz="1715" dirty="0">
                 <a:solidFill>
                   <a:srgbClr val="333F70"/>
                 </a:solidFill>
@@ -7955,18 +7795,7 @@
                 <a:ea typeface="Open Sans" pitchFamily="34" charset="-122"/>
                 <a:cs typeface="Open Sans" pitchFamily="34" charset="-120"/>
               </a:rPr>
-              <a:t> </a:t>
-            </a:r>
-            <a:r>
-              <a:rPr lang="en-US" sz="1715" dirty="0">
-                <a:solidFill>
-                  <a:srgbClr val="333F70"/>
-                </a:solidFill>
-                <a:latin typeface="Open Sans" pitchFamily="34" charset="0"/>
-                <a:ea typeface="Open Sans" pitchFamily="34" charset="-122"/>
-                <a:cs typeface="Open Sans" pitchFamily="34" charset="-120"/>
-              </a:rPr>
-              <a:t>en yakın olan karakter</a:t>
+              <a:t> en yakın olan karakter</a:t>
             </a:r>
             <a:endParaRPr lang="en-US" sz="1715" dirty="0"/>
           </a:p>
@@ -8173,7 +8002,7 @@
               <a:buChar char="•"/>
             </a:pPr>
             <a:r>
-              <a:rPr lang="en-US" sz="1715" dirty="0" err="1" smtClean="0">
+              <a:rPr lang="en-US" sz="1715" dirty="0" err="1">
                 <a:solidFill>
                   <a:srgbClr val="333F70"/>
                 </a:solidFill>
@@ -8184,7 +8013,7 @@
               <a:t>Bağımlılık</a:t>
             </a:r>
             <a:r>
-              <a:rPr lang="tr-TR" sz="1715" dirty="0" smtClean="0">
+              <a:rPr lang="tr-TR" sz="1715" dirty="0">
                 <a:solidFill>
                   <a:srgbClr val="333F70"/>
                 </a:solidFill>
@@ -8195,7 +8024,7 @@
               <a:t> problemi var</a:t>
             </a:r>
             <a:r>
-              <a:rPr lang="en-US" sz="1715" dirty="0" smtClean="0">
+              <a:rPr lang="en-US" sz="1715" dirty="0">
                 <a:solidFill>
                   <a:srgbClr val="333F70"/>
                 </a:solidFill>
@@ -8203,18 +8032,7 @@
                 <a:ea typeface="Open Sans" pitchFamily="34" charset="-122"/>
                 <a:cs typeface="Open Sans" pitchFamily="34" charset="-120"/>
               </a:rPr>
-              <a:t> </a:t>
-            </a:r>
-            <a:r>
-              <a:rPr lang="en-US" sz="1715" dirty="0">
-                <a:solidFill>
-                  <a:srgbClr val="333F70"/>
-                </a:solidFill>
-                <a:latin typeface="Open Sans" pitchFamily="34" charset="0"/>
-                <a:ea typeface="Open Sans" pitchFamily="34" charset="-122"/>
-                <a:cs typeface="Open Sans" pitchFamily="34" charset="-120"/>
-              </a:rPr>
-              <a:t>ve ilişkilerde sorunlar yaşıyor.</a:t>
+              <a:t> ve ilişkilerde sorunlar yaşıyor.</a:t>
             </a:r>
             <a:endParaRPr lang="en-US" sz="1715" dirty="0"/>
           </a:p>
@@ -8412,8 +8230,8 @@
         </p:nvSpPr>
         <p:spPr>
           <a:xfrm>
-            <a:off x="10452973" y="6298049"/>
-            <a:ext cx="2056686" cy="348377"/>
+            <a:off x="10452973" y="6567055"/>
+            <a:ext cx="2056686" cy="520498"/>
           </a:xfrm>
           <a:prstGeom prst="rect">
             <a:avLst/>
@@ -8447,32 +8265,6 @@
           </a:p>
         </p:txBody>
       </p:sp>
-      <p:pic>
-        <p:nvPicPr>
-          <p:cNvPr id="26" name="Image 4" descr="preencoded.png">
-            <a:hlinkClick r:id="rId7"/>
-          </p:cNvPr>
-          <p:cNvPicPr>
-            <a:picLocks noChangeAspect="1"/>
-          </p:cNvPicPr>
-          <p:nvPr/>
-        </p:nvPicPr>
-        <p:blipFill>
-          <a:blip r:embed="rId8"/>
-          <a:stretch>
-            <a:fillRect/>
-          </a:stretch>
-        </p:blipFill>
-        <p:spPr>
-          <a:xfrm>
-            <a:off x="12242153" y="7589520"/>
-            <a:ext cx="2296807" cy="548640"/>
-          </a:xfrm>
-          <a:prstGeom prst="rect">
-            <a:avLst/>
-          </a:prstGeom>
-        </p:spPr>
-      </p:pic>
     </p:spTree>
   </p:cSld>
   <p:clrMapOvr>
